--- a/Project/Context/SistemaSeparacionAudio.context.pptx
+++ b/Project/Context/SistemaSeparacionAudio.context.pptx
@@ -3807,8 +3807,8 @@
         </p:nvSpPr>
         <p:spPr>
           <a:xfrm flipH="false" flipV="false" rot="0">
-            <a:off x="1391439" y="1809899"/>
-            <a:ext cx="15505122" cy="6667202"/>
+            <a:off x="1101830" y="2342034"/>
+            <a:ext cx="16084340" cy="6916266"/>
           </a:xfrm>
           <a:custGeom>
             <a:avLst/>
@@ -3817,18 +3817,18 @@
             <a:cxnLst/>
             <a:rect r="r" b="b" t="t" l="l"/>
             <a:pathLst>
-              <a:path h="6667202" w="15505122">
+              <a:path h="6916266" w="16084340">
                 <a:moveTo>
                   <a:pt x="0" y="0"/>
                 </a:moveTo>
                 <a:lnTo>
-                  <a:pt x="15505122" y="0"/>
+                  <a:pt x="16084340" y="0"/>
                 </a:lnTo>
                 <a:lnTo>
-                  <a:pt x="15505122" y="6667202"/>
+                  <a:pt x="16084340" y="6916266"/>
                 </a:lnTo>
                 <a:lnTo>
-                  <a:pt x="0" y="6667202"/>
+                  <a:pt x="0" y="6916266"/>
                 </a:lnTo>
                 <a:lnTo>
                   <a:pt x="0" y="0"/>
@@ -3919,8 +3919,8 @@
         </p:nvSpPr>
         <p:spPr>
           <a:xfrm flipH="false" flipV="false" rot="0">
-            <a:off x="705696" y="3898850"/>
-            <a:ext cx="16876608" cy="2489300"/>
+            <a:off x="347205" y="3823981"/>
+            <a:ext cx="17593590" cy="2639038"/>
           </a:xfrm>
           <a:custGeom>
             <a:avLst/>
@@ -3929,18 +3929,18 @@
             <a:cxnLst/>
             <a:rect r="r" b="b" t="t" l="l"/>
             <a:pathLst>
-              <a:path h="2489300" w="16876608">
+              <a:path h="2639038" w="17593590">
                 <a:moveTo>
                   <a:pt x="0" y="0"/>
                 </a:moveTo>
                 <a:lnTo>
-                  <a:pt x="16876608" y="0"/>
+                  <a:pt x="17593590" y="0"/>
                 </a:lnTo>
                 <a:lnTo>
-                  <a:pt x="16876608" y="2489300"/>
+                  <a:pt x="17593590" y="2639038"/>
                 </a:lnTo>
                 <a:lnTo>
-                  <a:pt x="0" y="2489300"/>
+                  <a:pt x="0" y="2639038"/>
                 </a:lnTo>
                 <a:lnTo>
                   <a:pt x="0" y="0"/>

--- a/Project/Context/SistemaSeparacionAudio.context.pptx
+++ b/Project/Context/SistemaSeparacionAudio.context.pptx
@@ -12,17 +12,20 @@
     <p:sldId id="260" r:id="rId10"/>
     <p:sldId id="261" r:id="rId11"/>
     <p:sldId id="262" r:id="rId12"/>
-    <p:sldId id="263" r:id="rId13"/>
   </p:sldIdLst>
   <p:sldSz cx="18288000" cy="10287000"/>
   <p:notesSz cx="6858000" cy="9144000"/>
   <p:embeddedFontLst>
     <p:embeddedFont>
       <p:font typeface="Open Sans Bold" charset="1" panose="020B0806030504020204"/>
+      <p:regular r:id="rId13"/>
+    </p:embeddedFont>
+    <p:embeddedFont>
+      <p:font typeface="Open Sans" charset="1" panose="020B0606030504020204"/>
       <p:regular r:id="rId14"/>
     </p:embeddedFont>
     <p:embeddedFont>
-      <p:font typeface="Open Sans" charset="1" panose="020B0606030504020204"/>
+      <p:font typeface="Open Sans Bold Italics" charset="1" panose="020B0806030504020204"/>
       <p:regular r:id="rId15"/>
     </p:embeddedFont>
   </p:embeddedFontLst>
@@ -3112,7 +3115,7 @@
                 <a:cs typeface="Open Sans Bold"/>
                 <a:sym typeface="Open Sans Bold"/>
               </a:rPr>
-              <a:t>Sistema de Separación de Audio </a:t>
+              <a:t>Sistema de Separación de Fuentes Musicales</a:t>
             </a:r>
           </a:p>
         </p:txBody>
@@ -3355,7 +3358,7 @@
 </file>
 
 <file path=ppt/slides/slide3.xml><?xml version="1.0" encoding="utf-8"?>
-<p:sld xmlns:p="http://schemas.openxmlformats.org/presentationml/2006/main" xmlns:a="http://schemas.openxmlformats.org/drawingml/2006/main">
+<p:sld xmlns:p="http://schemas.openxmlformats.org/presentationml/2006/main" xmlns:a="http://schemas.openxmlformats.org/drawingml/2006/main" xmlns:r="http://schemas.openxmlformats.org/officeDocument/2006/relationships">
   <p:cSld>
     <p:spTree>
       <p:nvGrpSpPr>
@@ -3373,7 +3376,105 @@
       </p:grpSpPr>
       <p:sp>
         <p:nvSpPr>
-          <p:cNvPr name="TextBox 2" id="2"/>
+          <p:cNvPr name="Freeform 2" id="2"/>
+          <p:cNvSpPr/>
+          <p:nvPr/>
+        </p:nvSpPr>
+        <p:spPr>
+          <a:xfrm flipH="false" flipV="false" rot="0">
+            <a:off x="4892920" y="5846907"/>
+            <a:ext cx="8502160" cy="3836600"/>
+          </a:xfrm>
+          <a:custGeom>
+            <a:avLst/>
+            <a:gdLst/>
+            <a:ahLst/>
+            <a:cxnLst/>
+            <a:rect r="r" b="b" t="t" l="l"/>
+            <a:pathLst>
+              <a:path h="3836600" w="8502160">
+                <a:moveTo>
+                  <a:pt x="0" y="0"/>
+                </a:moveTo>
+                <a:lnTo>
+                  <a:pt x="8502160" y="0"/>
+                </a:lnTo>
+                <a:lnTo>
+                  <a:pt x="8502160" y="3836600"/>
+                </a:lnTo>
+                <a:lnTo>
+                  <a:pt x="0" y="3836600"/>
+                </a:lnTo>
+                <a:lnTo>
+                  <a:pt x="0" y="0"/>
+                </a:lnTo>
+                <a:close/>
+              </a:path>
+            </a:pathLst>
+          </a:custGeom>
+          <a:blipFill>
+            <a:blip r:embed="rId2"/>
+            <a:stretch>
+              <a:fillRect l="0" t="0" r="0" b="0"/>
+            </a:stretch>
+          </a:blipFill>
+        </p:spPr>
+      </p:sp>
+      <p:sp>
+        <p:nvSpPr>
+          <p:cNvPr name="Freeform 3" id="3"/>
+          <p:cNvSpPr/>
+          <p:nvPr/>
+        </p:nvSpPr>
+        <p:spPr>
+          <a:xfrm flipH="false" flipV="false" rot="0">
+            <a:off x="8385376" y="6022139"/>
+            <a:ext cx="1517249" cy="1517249"/>
+          </a:xfrm>
+          <a:custGeom>
+            <a:avLst/>
+            <a:gdLst/>
+            <a:ahLst/>
+            <a:cxnLst/>
+            <a:rect r="r" b="b" t="t" l="l"/>
+            <a:pathLst>
+              <a:path h="1517249" w="1517249">
+                <a:moveTo>
+                  <a:pt x="0" y="0"/>
+                </a:moveTo>
+                <a:lnTo>
+                  <a:pt x="1517248" y="0"/>
+                </a:lnTo>
+                <a:lnTo>
+                  <a:pt x="1517248" y="1517249"/>
+                </a:lnTo>
+                <a:lnTo>
+                  <a:pt x="0" y="1517249"/>
+                </a:lnTo>
+                <a:lnTo>
+                  <a:pt x="0" y="0"/>
+                </a:lnTo>
+                <a:close/>
+              </a:path>
+            </a:pathLst>
+          </a:custGeom>
+          <a:blipFill>
+            <a:blip r:embed="rId3">
+              <a:extLst>
+                <a:ext uri="{96DAC541-7B7A-43D3-8B79-37D633B846F1}">
+                  <asvg:svgBlip xmlns:asvg="http://schemas.microsoft.com/office/drawing/2016/SVG/main" r:embed="rId4"/>
+                </a:ext>
+              </a:extLst>
+            </a:blip>
+            <a:stretch>
+              <a:fillRect l="0" t="0" r="0" b="0"/>
+            </a:stretch>
+          </a:blipFill>
+        </p:spPr>
+      </p:sp>
+      <p:sp>
+        <p:nvSpPr>
+          <p:cNvPr name="TextBox 4" id="4"/>
           <p:cNvSpPr txBox="true"/>
           <p:nvPr/>
         </p:nvSpPr>
@@ -3414,14 +3515,14 @@
       </p:sp>
       <p:sp>
         <p:nvSpPr>
-          <p:cNvPr name="TextBox 3" id="3"/>
+          <p:cNvPr name="TextBox 5" id="5"/>
           <p:cNvSpPr txBox="true"/>
           <p:nvPr/>
         </p:nvSpPr>
         <p:spPr>
           <a:xfrm rot="0">
-            <a:off x="1028700" y="4219892"/>
-            <a:ext cx="16230600" cy="1780540"/>
+            <a:off x="4424429" y="2863823"/>
+            <a:ext cx="9439141" cy="580390"/>
           </a:xfrm>
           <a:prstGeom prst="rect">
             <a:avLst/>
@@ -3438,8 +3539,37 @@
                 <a:spcPts val="4759"/>
               </a:lnSpc>
             </a:pPr>
-            <a:r>
-              <a:rPr lang="en-US" sz="3399">
+          </a:p>
+        </p:txBody>
+      </p:sp>
+      <p:sp>
+        <p:nvSpPr>
+          <p:cNvPr name="TextBox 6" id="6"/>
+          <p:cNvSpPr txBox="true"/>
+          <p:nvPr/>
+        </p:nvSpPr>
+        <p:spPr>
+          <a:xfrm rot="0">
+            <a:off x="1028700" y="2127078"/>
+            <a:ext cx="16230600" cy="2957830"/>
+          </a:xfrm>
+          <a:prstGeom prst="rect">
+            <a:avLst/>
+          </a:prstGeom>
+        </p:spPr>
+        <p:txBody>
+          <a:bodyPr anchor="t" rtlCol="false" tIns="0" lIns="0" bIns="0" rIns="0">
+            <a:spAutoFit/>
+          </a:bodyPr>
+          <a:lstStyle/>
+          <a:p>
+            <a:pPr algn="ctr">
+              <a:lnSpc>
+                <a:spcPts val="3920"/>
+              </a:lnSpc>
+            </a:pPr>
+            <a:r>
+              <a:rPr lang="en-US" sz="2800">
                 <a:solidFill>
                   <a:srgbClr val="000000"/>
                 </a:solidFill>
@@ -3448,10 +3578,34 @@
                 <a:cs typeface="Open Sans"/>
                 <a:sym typeface="Open Sans"/>
               </a:rPr>
-              <a:t>Aplicación pa</a:t>
-            </a:r>
-            <a:r>
-              <a:rPr lang="en-US" sz="3399">
+              <a:t>Es una aplicación que permite a musicos independientes o aficionados </a:t>
+            </a:r>
+            <a:r>
+              <a:rPr lang="en-US" b="true" sz="2800">
+                <a:solidFill>
+                  <a:srgbClr val="000000"/>
+                </a:solidFill>
+                <a:latin typeface="Open Sans Bold"/>
+                <a:ea typeface="Open Sans Bold"/>
+                <a:cs typeface="Open Sans Bold"/>
+                <a:sym typeface="Open Sans Bold"/>
+              </a:rPr>
+              <a:t>extraer de un archivo d</a:t>
+            </a:r>
+            <a:r>
+              <a:rPr lang="en-US" b="true" sz="2800">
+                <a:solidFill>
+                  <a:srgbClr val="000000"/>
+                </a:solidFill>
+                <a:latin typeface="Open Sans Bold"/>
+                <a:ea typeface="Open Sans Bold"/>
+                <a:cs typeface="Open Sans Bold"/>
+                <a:sym typeface="Open Sans Bold"/>
+              </a:rPr>
+              <a:t>e audio musical ya mezclado (por ejemplo: una canción) las pistas que se reconozcan como instrumentos y voz (elementos de la canción)</a:t>
+            </a:r>
+            <a:r>
+              <a:rPr lang="en-US" sz="2800">
                 <a:solidFill>
                   <a:srgbClr val="000000"/>
                 </a:solidFill>
@@ -3460,10 +3614,86 @@
                 <a:cs typeface="Open Sans"/>
                 <a:sym typeface="Open Sans"/>
               </a:rPr>
-              <a:t>ra permitir a músicos independientes o aficionados de la música extraer elementos individuales de un audio ya mezclado de formatos populares como MP3, AAC, WAV, OGG.</a:t>
-            </a:r>
-          </a:p>
-        </p:txBody>
+              <a:t>, según lo que escoja extraer el usuario y lo que desee hacer con ellas. Su principal objetivo es no depender de conexión a internet. Adquiere un enfoque </a:t>
+            </a:r>
+            <a:r>
+              <a:rPr lang="en-US" b="true" sz="2800" i="true">
+                <a:solidFill>
+                  <a:srgbClr val="000000"/>
+                </a:solidFill>
+                <a:latin typeface="Open Sans Bold Italics"/>
+                <a:ea typeface="Open Sans Bold Italics"/>
+                <a:cs typeface="Open Sans Bold Italics"/>
+                <a:sym typeface="Open Sans Bold Italics"/>
+              </a:rPr>
+              <a:t>offiline-first</a:t>
+            </a:r>
+            <a:r>
+              <a:rPr lang="en-US" sz="2800">
+                <a:solidFill>
+                  <a:srgbClr val="000000"/>
+                </a:solidFill>
+                <a:latin typeface="Open Sans"/>
+                <a:ea typeface="Open Sans"/>
+                <a:cs typeface="Open Sans"/>
+                <a:sym typeface="Open Sans"/>
+              </a:rPr>
+              <a:t> donde se busca ajustar un modelo que pueda dar el equilibrio entre portabilidad y calidad de la salida de las pistas extraidas por asistencia de inteligencia artificial.   </a:t>
+            </a:r>
+          </a:p>
+        </p:txBody>
+      </p:sp>
+      <p:sp>
+        <p:nvSpPr>
+          <p:cNvPr name="Freeform 7" id="7"/>
+          <p:cNvSpPr/>
+          <p:nvPr/>
+        </p:nvSpPr>
+        <p:spPr>
+          <a:xfrm flipH="false" flipV="false" rot="0">
+            <a:off x="5736876" y="7405660"/>
+            <a:ext cx="1293356" cy="1293356"/>
+          </a:xfrm>
+          <a:custGeom>
+            <a:avLst/>
+            <a:gdLst/>
+            <a:ahLst/>
+            <a:cxnLst/>
+            <a:rect r="r" b="b" t="t" l="l"/>
+            <a:pathLst>
+              <a:path h="1293356" w="1293356">
+                <a:moveTo>
+                  <a:pt x="0" y="0"/>
+                </a:moveTo>
+                <a:lnTo>
+                  <a:pt x="1293356" y="0"/>
+                </a:lnTo>
+                <a:lnTo>
+                  <a:pt x="1293356" y="1293356"/>
+                </a:lnTo>
+                <a:lnTo>
+                  <a:pt x="0" y="1293356"/>
+                </a:lnTo>
+                <a:lnTo>
+                  <a:pt x="0" y="0"/>
+                </a:lnTo>
+                <a:close/>
+              </a:path>
+            </a:pathLst>
+          </a:custGeom>
+          <a:blipFill>
+            <a:blip r:embed="rId5">
+              <a:extLst>
+                <a:ext uri="{96DAC541-7B7A-43D3-8B79-37D633B846F1}">
+                  <asvg:svgBlip xmlns:asvg="http://schemas.microsoft.com/office/drawing/2016/SVG/main" r:embed="rId6"/>
+                </a:ext>
+              </a:extLst>
+            </a:blip>
+            <a:stretch>
+              <a:fillRect l="0" t="0" r="0" b="0"/>
+            </a:stretch>
+          </a:blipFill>
+        </p:spPr>
       </p:sp>
     </p:spTree>
   </p:cSld>
@@ -3492,55 +3722,14 @@
       </p:grpSpPr>
       <p:sp>
         <p:nvSpPr>
-          <p:cNvPr name="TextBox 2" id="2"/>
-          <p:cNvSpPr txBox="true"/>
-          <p:nvPr/>
-        </p:nvSpPr>
-        <p:spPr>
-          <a:xfrm rot="0">
-            <a:off x="7635121" y="537527"/>
-            <a:ext cx="3017758" cy="887095"/>
-          </a:xfrm>
-          <a:prstGeom prst="rect">
-            <a:avLst/>
-          </a:prstGeom>
-        </p:spPr>
-        <p:txBody>
-          <a:bodyPr anchor="t" rtlCol="false" tIns="0" lIns="0" bIns="0" rIns="0">
-            <a:spAutoFit/>
-          </a:bodyPr>
-          <a:lstStyle/>
-          <a:p>
-            <a:pPr algn="ctr">
-              <a:lnSpc>
-                <a:spcPts val="7279"/>
-              </a:lnSpc>
-            </a:pPr>
-            <a:r>
-              <a:rPr lang="en-US" sz="5199" b="true">
-                <a:solidFill>
-                  <a:srgbClr val="000000"/>
-                </a:solidFill>
-                <a:latin typeface="Open Sans Bold"/>
-                <a:ea typeface="Open Sans Bold"/>
-                <a:cs typeface="Open Sans Bold"/>
-                <a:sym typeface="Open Sans Bold"/>
-              </a:rPr>
-              <a:t>Contexto</a:t>
-            </a:r>
-          </a:p>
-        </p:txBody>
-      </p:sp>
-      <p:sp>
-        <p:nvSpPr>
-          <p:cNvPr name="Freeform 3" id="3"/>
+          <p:cNvPr name="Freeform 2" id="2"/>
           <p:cNvSpPr/>
           <p:nvPr/>
         </p:nvSpPr>
         <p:spPr>
           <a:xfrm flipH="false" flipV="false" rot="0">
-            <a:off x="4326292" y="4725795"/>
-            <a:ext cx="9635416" cy="4347981"/>
+            <a:off x="1953215" y="1636067"/>
+            <a:ext cx="14381571" cy="7622233"/>
           </a:xfrm>
           <a:custGeom>
             <a:avLst/>
@@ -3549,18 +3738,18 @@
             <a:cxnLst/>
             <a:rect r="r" b="b" t="t" l="l"/>
             <a:pathLst>
-              <a:path h="4347981" w="9635416">
+              <a:path h="7622233" w="14381571">
                 <a:moveTo>
                   <a:pt x="0" y="0"/>
                 </a:moveTo>
                 <a:lnTo>
-                  <a:pt x="9635416" y="0"/>
+                  <a:pt x="14381570" y="0"/>
                 </a:lnTo>
                 <a:lnTo>
-                  <a:pt x="9635416" y="4347981"/>
+                  <a:pt x="14381570" y="7622233"/>
                 </a:lnTo>
                 <a:lnTo>
-                  <a:pt x="0" y="4347981"/>
+                  <a:pt x="0" y="7622233"/>
                 </a:lnTo>
                 <a:lnTo>
                   <a:pt x="0" y="0"/>
@@ -3579,14 +3768,14 @@
       </p:sp>
       <p:sp>
         <p:nvSpPr>
-          <p:cNvPr name="TextBox 4" id="4"/>
+          <p:cNvPr name="TextBox 3" id="3"/>
           <p:cNvSpPr txBox="true"/>
           <p:nvPr/>
         </p:nvSpPr>
         <p:spPr>
           <a:xfrm rot="0">
-            <a:off x="1028700" y="1851564"/>
-            <a:ext cx="16230600" cy="2380615"/>
+            <a:off x="4457998" y="537527"/>
+            <a:ext cx="9372005" cy="887095"/>
           </a:xfrm>
           <a:prstGeom prst="rect">
             <a:avLst/>
@@ -3598,66 +3787,22 @@
           </a:bodyPr>
           <a:lstStyle/>
           <a:p>
-            <a:pPr algn="just" marL="734059" indent="-367030" lvl="1">
+            <a:pPr algn="ctr">
               <a:lnSpc>
-                <a:spcPts val="4759"/>
+                <a:spcPts val="7279"/>
               </a:lnSpc>
-              <a:buFont typeface="Arial"/>
-              <a:buChar char="•"/>
             </a:pPr>
             <a:r>
-              <a:rPr lang="en-US" sz="3399">
+              <a:rPr lang="en-US" sz="5199" b="true">
                 <a:solidFill>
                   <a:srgbClr val="000000"/>
                 </a:solidFill>
-                <a:latin typeface="Open Sans"/>
-                <a:ea typeface="Open Sans"/>
-                <a:cs typeface="Open Sans"/>
-                <a:sym typeface="Open Sans"/>
+                <a:latin typeface="Open Sans Bold"/>
+                <a:ea typeface="Open Sans Bold"/>
+                <a:cs typeface="Open Sans Bold"/>
+                <a:sym typeface="Open Sans Bold"/>
               </a:rPr>
-              <a:t>Offline-first</a:t>
-            </a:r>
-          </a:p>
-          <a:p>
-            <a:pPr algn="just" marL="734059" indent="-367030" lvl="1">
-              <a:lnSpc>
-                <a:spcPts val="4759"/>
-              </a:lnSpc>
-              <a:buFont typeface="Arial"/>
-              <a:buChar char="•"/>
-            </a:pPr>
-            <a:r>
-              <a:rPr lang="en-US" sz="3399">
-                <a:solidFill>
-                  <a:srgbClr val="000000"/>
-                </a:solidFill>
-                <a:latin typeface="Open Sans"/>
-                <a:ea typeface="Open Sans"/>
-                <a:cs typeface="Open Sans"/>
-                <a:sym typeface="Open Sans"/>
-              </a:rPr>
-              <a:t>Clasificación estándar de pistas basados en el género POP</a:t>
-            </a:r>
-          </a:p>
-          <a:p>
-            <a:pPr algn="just" marL="734059" indent="-367030" lvl="1">
-              <a:lnSpc>
-                <a:spcPts val="4759"/>
-              </a:lnSpc>
-              <a:buFont typeface="Arial"/>
-              <a:buChar char="•"/>
-            </a:pPr>
-            <a:r>
-              <a:rPr lang="en-US" sz="3399">
-                <a:solidFill>
-                  <a:srgbClr val="000000"/>
-                </a:solidFill>
-                <a:latin typeface="Open Sans"/>
-                <a:ea typeface="Open Sans"/>
-                <a:cs typeface="Open Sans"/>
-                <a:sym typeface="Open Sans"/>
-              </a:rPr>
-              <a:t>No se requiere de conocimiento técnico para interactuar con las pistas hasta el resultado final de exportación</a:t>
+              <a:t>Requerimientos Funcionales</a:t>
             </a:r>
           </a:p>
         </p:txBody>
@@ -3695,8 +3840,8 @@
         </p:nvSpPr>
         <p:spPr>
           <a:xfrm flipH="false" flipV="false" rot="0">
-            <a:off x="1705420" y="2056489"/>
-            <a:ext cx="14877160" cy="6174021"/>
+            <a:off x="1680483" y="1701489"/>
+            <a:ext cx="14927034" cy="7556811"/>
           </a:xfrm>
           <a:custGeom>
             <a:avLst/>
@@ -3705,18 +3850,18 @@
             <a:cxnLst/>
             <a:rect r="r" b="b" t="t" l="l"/>
             <a:pathLst>
-              <a:path h="6174021" w="14877160">
+              <a:path h="7556811" w="14927034">
                 <a:moveTo>
                   <a:pt x="0" y="0"/>
                 </a:moveTo>
                 <a:lnTo>
-                  <a:pt x="14877160" y="0"/>
+                  <a:pt x="14927034" y="0"/>
                 </a:lnTo>
                 <a:lnTo>
-                  <a:pt x="14877160" y="6174022"/>
+                  <a:pt x="14927034" y="7556811"/>
                 </a:lnTo>
                 <a:lnTo>
-                  <a:pt x="0" y="6174022"/>
+                  <a:pt x="0" y="7556811"/>
                 </a:lnTo>
                 <a:lnTo>
                   <a:pt x="0" y="0"/>
@@ -3741,8 +3886,8 @@
         </p:nvSpPr>
         <p:spPr>
           <a:xfrm rot="0">
-            <a:off x="4457998" y="537527"/>
-            <a:ext cx="9372005" cy="887095"/>
+            <a:off x="3899356" y="537527"/>
+            <a:ext cx="10489288" cy="887095"/>
           </a:xfrm>
           <a:prstGeom prst="rect">
             <a:avLst/>
@@ -3769,7 +3914,7 @@
                 <a:cs typeface="Open Sans Bold"/>
                 <a:sym typeface="Open Sans Bold"/>
               </a:rPr>
-              <a:t>Requerimientos Funcionales</a:t>
+              <a:t>Requerimientos No Funcionales</a:t>
             </a:r>
           </a:p>
         </p:txBody>
@@ -3807,8 +3952,8 @@
         </p:nvSpPr>
         <p:spPr>
           <a:xfrm flipH="false" flipV="false" rot="0">
-            <a:off x="1101830" y="2342034"/>
-            <a:ext cx="16084340" cy="6916266"/>
+            <a:off x="235241" y="4163537"/>
+            <a:ext cx="17817518" cy="1959927"/>
           </a:xfrm>
           <a:custGeom>
             <a:avLst/>
@@ -3817,18 +3962,18 @@
             <a:cxnLst/>
             <a:rect r="r" b="b" t="t" l="l"/>
             <a:pathLst>
-              <a:path h="6916266" w="16084340">
+              <a:path h="1959927" w="17817518">
                 <a:moveTo>
                   <a:pt x="0" y="0"/>
                 </a:moveTo>
                 <a:lnTo>
-                  <a:pt x="16084340" y="0"/>
+                  <a:pt x="17817518" y="0"/>
                 </a:lnTo>
                 <a:lnTo>
-                  <a:pt x="16084340" y="6916266"/>
+                  <a:pt x="17817518" y="1959926"/>
                 </a:lnTo>
                 <a:lnTo>
-                  <a:pt x="0" y="6916266"/>
+                  <a:pt x="0" y="1959926"/>
                 </a:lnTo>
                 <a:lnTo>
                   <a:pt x="0" y="0"/>
@@ -3853,8 +3998,8 @@
         </p:nvSpPr>
         <p:spPr>
           <a:xfrm rot="0">
-            <a:off x="3899356" y="537527"/>
-            <a:ext cx="10489288" cy="887095"/>
+            <a:off x="3188255" y="537527"/>
+            <a:ext cx="11911489" cy="887095"/>
           </a:xfrm>
           <a:prstGeom prst="rect">
             <a:avLst/>
@@ -3881,7 +4026,7 @@
                 <a:cs typeface="Open Sans Bold"/>
                 <a:sym typeface="Open Sans Bold"/>
               </a:rPr>
-              <a:t>Requerimientos No Funcionales</a:t>
+              <a:t>Negociación de Atributos de Calidad</a:t>
             </a:r>
           </a:p>
         </p:txBody>
@@ -3919,8 +4064,8 @@
         </p:nvSpPr>
         <p:spPr>
           <a:xfrm flipH="false" flipV="false" rot="0">
-            <a:off x="347205" y="3823981"/>
-            <a:ext cx="17593590" cy="2639038"/>
+            <a:off x="668216" y="2332519"/>
+            <a:ext cx="16951569" cy="2500356"/>
           </a:xfrm>
           <a:custGeom>
             <a:avLst/>
@@ -3929,18 +4074,18 @@
             <a:cxnLst/>
             <a:rect r="r" b="b" t="t" l="l"/>
             <a:pathLst>
-              <a:path h="2639038" w="17593590">
+              <a:path h="2500356" w="16951569">
                 <a:moveTo>
                   <a:pt x="0" y="0"/>
                 </a:moveTo>
                 <a:lnTo>
-                  <a:pt x="17593590" y="0"/>
+                  <a:pt x="16951568" y="0"/>
                 </a:lnTo>
                 <a:lnTo>
-                  <a:pt x="17593590" y="2639038"/>
+                  <a:pt x="16951568" y="2500357"/>
                 </a:lnTo>
                 <a:lnTo>
-                  <a:pt x="0" y="2639038"/>
+                  <a:pt x="0" y="2500357"/>
                 </a:lnTo>
                 <a:lnTo>
                   <a:pt x="0" y="0"/>
@@ -3959,80 +4104,14 @@
       </p:sp>
       <p:sp>
         <p:nvSpPr>
-          <p:cNvPr name="TextBox 3" id="3"/>
-          <p:cNvSpPr txBox="true"/>
-          <p:nvPr/>
-        </p:nvSpPr>
-        <p:spPr>
-          <a:xfrm rot="0">
-            <a:off x="3188255" y="537527"/>
-            <a:ext cx="11911489" cy="887095"/>
-          </a:xfrm>
-          <a:prstGeom prst="rect">
-            <a:avLst/>
-          </a:prstGeom>
-        </p:spPr>
-        <p:txBody>
-          <a:bodyPr anchor="t" rtlCol="false" tIns="0" lIns="0" bIns="0" rIns="0">
-            <a:spAutoFit/>
-          </a:bodyPr>
-          <a:lstStyle/>
-          <a:p>
-            <a:pPr algn="ctr">
-              <a:lnSpc>
-                <a:spcPts val="7279"/>
-              </a:lnSpc>
-            </a:pPr>
-            <a:r>
-              <a:rPr lang="en-US" sz="5199" b="true">
-                <a:solidFill>
-                  <a:srgbClr val="000000"/>
-                </a:solidFill>
-                <a:latin typeface="Open Sans Bold"/>
-                <a:ea typeface="Open Sans Bold"/>
-                <a:cs typeface="Open Sans Bold"/>
-                <a:sym typeface="Open Sans Bold"/>
-              </a:rPr>
-              <a:t>Negociación de Atributos de Calidad</a:t>
-            </a:r>
-          </a:p>
-        </p:txBody>
-      </p:sp>
-    </p:spTree>
-  </p:cSld>
-  <p:clrMapOvr>
-    <a:masterClrMapping/>
-  </p:clrMapOvr>
-</p:sld>
-</file>
-
-<file path=ppt/slides/slide8.xml><?xml version="1.0" encoding="utf-8"?>
-<p:sld xmlns:p="http://schemas.openxmlformats.org/presentationml/2006/main" xmlns:a="http://schemas.openxmlformats.org/drawingml/2006/main" xmlns:r="http://schemas.openxmlformats.org/officeDocument/2006/relationships">
-  <p:cSld>
-    <p:spTree>
-      <p:nvGrpSpPr>
-        <p:cNvPr id="1" name=""/>
-        <p:cNvGrpSpPr/>
-        <p:nvPr/>
-      </p:nvGrpSpPr>
-      <p:grpSpPr>
-        <a:xfrm>
-          <a:off x="0" y="0"/>
-          <a:ext cx="0" cy="0"/>
-          <a:chOff x="0" y="0"/>
-          <a:chExt cx="0" cy="0"/>
-        </a:xfrm>
-      </p:grpSpPr>
-      <p:sp>
-        <p:nvSpPr>
-          <p:cNvPr name="Freeform 2" id="2"/>
+          <p:cNvPr name="Freeform 3" id="3"/>
           <p:cNvSpPr/>
           <p:nvPr/>
         </p:nvSpPr>
         <p:spPr>
           <a:xfrm flipH="false" flipV="false" rot="0">
-            <a:off x="514350" y="4302109"/>
-            <a:ext cx="17259300" cy="1682782"/>
+            <a:off x="4102945" y="5472545"/>
+            <a:ext cx="10082109" cy="3137137"/>
           </a:xfrm>
           <a:custGeom>
             <a:avLst/>
@@ -4041,18 +4120,18 @@
             <a:cxnLst/>
             <a:rect r="r" b="b" t="t" l="l"/>
             <a:pathLst>
-              <a:path h="1682782" w="17259300">
+              <a:path h="3137137" w="10082109">
                 <a:moveTo>
                   <a:pt x="0" y="0"/>
                 </a:moveTo>
                 <a:lnTo>
-                  <a:pt x="17259300" y="0"/>
+                  <a:pt x="10082110" y="0"/>
                 </a:lnTo>
                 <a:lnTo>
-                  <a:pt x="17259300" y="1682782"/>
+                  <a:pt x="10082110" y="3137137"/>
                 </a:lnTo>
                 <a:lnTo>
-                  <a:pt x="0" y="1682782"/>
+                  <a:pt x="0" y="3137137"/>
                 </a:lnTo>
                 <a:lnTo>
                   <a:pt x="0" y="0"/>
@@ -4062,7 +4141,7 @@
             </a:pathLst>
           </a:custGeom>
           <a:blipFill>
-            <a:blip r:embed="rId2"/>
+            <a:blip r:embed="rId3"/>
             <a:stretch>
               <a:fillRect l="0" t="0" r="0" b="0"/>
             </a:stretch>
@@ -4071,7 +4150,7 @@
       </p:sp>
       <p:sp>
         <p:nvSpPr>
-          <p:cNvPr name="TextBox 3" id="3"/>
+          <p:cNvPr name="TextBox 4" id="4"/>
           <p:cNvSpPr txBox="true"/>
           <p:nvPr/>
         </p:nvSpPr>

--- a/Project/Context/SistemaSeparacionAudio.context.pptx
+++ b/Project/Context/SistemaSeparacionAudio.context.pptx
@@ -3087,8 +3087,8 @@
         </p:nvSpPr>
         <p:spPr>
           <a:xfrm rot="0">
-            <a:off x="119849" y="3460115"/>
-            <a:ext cx="18288000" cy="3195319"/>
+            <a:off x="0" y="4274503"/>
+            <a:ext cx="18288000" cy="1566544"/>
           </a:xfrm>
           <a:prstGeom prst="rect">
             <a:avLst/>
@@ -3115,7 +3115,7 @@
                 <a:cs typeface="Open Sans Bold"/>
                 <a:sym typeface="Open Sans Bold"/>
               </a:rPr>
-              <a:t>Sistema de Separación de Fuentes Musicales</a:t>
+              <a:t>REWEAVE</a:t>
             </a:r>
           </a:p>
         </p:txBody>
@@ -3128,7 +3128,7 @@
         </p:nvSpPr>
         <p:spPr>
           <a:xfrm rot="0">
-            <a:off x="1028700" y="6776677"/>
+            <a:off x="1028700" y="6999151"/>
             <a:ext cx="16230600" cy="580390"/>
           </a:xfrm>
           <a:prstGeom prst="rect">
@@ -3157,6 +3157,47 @@
                 <a:sym typeface="Open Sans"/>
               </a:rPr>
               <a:t>Samuel Santiago Falla Alfaro</a:t>
+            </a:r>
+          </a:p>
+        </p:txBody>
+      </p:sp>
+      <p:sp>
+        <p:nvSpPr>
+          <p:cNvPr name="TextBox 4" id="4"/>
+          <p:cNvSpPr txBox="true"/>
+          <p:nvPr/>
+        </p:nvSpPr>
+        <p:spPr>
+          <a:xfrm rot="0">
+            <a:off x="0" y="5764847"/>
+            <a:ext cx="18288000" cy="712456"/>
+          </a:xfrm>
+          <a:prstGeom prst="rect">
+            <a:avLst/>
+          </a:prstGeom>
+        </p:spPr>
+        <p:txBody>
+          <a:bodyPr anchor="t" rtlCol="false" tIns="0" lIns="0" bIns="0" rIns="0">
+            <a:spAutoFit/>
+          </a:bodyPr>
+          <a:lstStyle/>
+          <a:p>
+            <a:pPr algn="ctr">
+              <a:lnSpc>
+                <a:spcPts val="5880"/>
+              </a:lnSpc>
+            </a:pPr>
+            <a:r>
+              <a:rPr lang="en-US" sz="4200" b="true">
+                <a:solidFill>
+                  <a:srgbClr val="000000"/>
+                </a:solidFill>
+                <a:latin typeface="Open Sans Bold"/>
+                <a:ea typeface="Open Sans Bold"/>
+                <a:cs typeface="Open Sans Bold"/>
+                <a:sym typeface="Open Sans Bold"/>
+              </a:rPr>
+              <a:t>Sistema de Separación de Fuentes Musicales</a:t>
             </a:r>
           </a:p>
         </p:txBody>
@@ -3428,229 +3469,6 @@
         </p:nvSpPr>
         <p:spPr>
           <a:xfrm flipH="false" flipV="false" rot="0">
-            <a:off x="8385376" y="6022139"/>
-            <a:ext cx="1517249" cy="1517249"/>
-          </a:xfrm>
-          <a:custGeom>
-            <a:avLst/>
-            <a:gdLst/>
-            <a:ahLst/>
-            <a:cxnLst/>
-            <a:rect r="r" b="b" t="t" l="l"/>
-            <a:pathLst>
-              <a:path h="1517249" w="1517249">
-                <a:moveTo>
-                  <a:pt x="0" y="0"/>
-                </a:moveTo>
-                <a:lnTo>
-                  <a:pt x="1517248" y="0"/>
-                </a:lnTo>
-                <a:lnTo>
-                  <a:pt x="1517248" y="1517249"/>
-                </a:lnTo>
-                <a:lnTo>
-                  <a:pt x="0" y="1517249"/>
-                </a:lnTo>
-                <a:lnTo>
-                  <a:pt x="0" y="0"/>
-                </a:lnTo>
-                <a:close/>
-              </a:path>
-            </a:pathLst>
-          </a:custGeom>
-          <a:blipFill>
-            <a:blip r:embed="rId3">
-              <a:extLst>
-                <a:ext uri="{96DAC541-7B7A-43D3-8B79-37D633B846F1}">
-                  <asvg:svgBlip xmlns:asvg="http://schemas.microsoft.com/office/drawing/2016/SVG/main" r:embed="rId4"/>
-                </a:ext>
-              </a:extLst>
-            </a:blip>
-            <a:stretch>
-              <a:fillRect l="0" t="0" r="0" b="0"/>
-            </a:stretch>
-          </a:blipFill>
-        </p:spPr>
-      </p:sp>
-      <p:sp>
-        <p:nvSpPr>
-          <p:cNvPr name="TextBox 4" id="4"/>
-          <p:cNvSpPr txBox="true"/>
-          <p:nvPr/>
-        </p:nvSpPr>
-        <p:spPr>
-          <a:xfrm rot="0">
-            <a:off x="7635121" y="537527"/>
-            <a:ext cx="3017758" cy="887095"/>
-          </a:xfrm>
-          <a:prstGeom prst="rect">
-            <a:avLst/>
-          </a:prstGeom>
-        </p:spPr>
-        <p:txBody>
-          <a:bodyPr anchor="t" rtlCol="false" tIns="0" lIns="0" bIns="0" rIns="0">
-            <a:spAutoFit/>
-          </a:bodyPr>
-          <a:lstStyle/>
-          <a:p>
-            <a:pPr algn="ctr">
-              <a:lnSpc>
-                <a:spcPts val="7279"/>
-              </a:lnSpc>
-            </a:pPr>
-            <a:r>
-              <a:rPr lang="en-US" sz="5199" b="true">
-                <a:solidFill>
-                  <a:srgbClr val="000000"/>
-                </a:solidFill>
-                <a:latin typeface="Open Sans Bold"/>
-                <a:ea typeface="Open Sans Bold"/>
-                <a:cs typeface="Open Sans Bold"/>
-                <a:sym typeface="Open Sans Bold"/>
-              </a:rPr>
-              <a:t>Contexto</a:t>
-            </a:r>
-          </a:p>
-        </p:txBody>
-      </p:sp>
-      <p:sp>
-        <p:nvSpPr>
-          <p:cNvPr name="TextBox 5" id="5"/>
-          <p:cNvSpPr txBox="true"/>
-          <p:nvPr/>
-        </p:nvSpPr>
-        <p:spPr>
-          <a:xfrm rot="0">
-            <a:off x="4424429" y="2863823"/>
-            <a:ext cx="9439141" cy="580390"/>
-          </a:xfrm>
-          <a:prstGeom prst="rect">
-            <a:avLst/>
-          </a:prstGeom>
-        </p:spPr>
-        <p:txBody>
-          <a:bodyPr anchor="t" rtlCol="false" tIns="0" lIns="0" bIns="0" rIns="0">
-            <a:spAutoFit/>
-          </a:bodyPr>
-          <a:lstStyle/>
-          <a:p>
-            <a:pPr algn="ctr">
-              <a:lnSpc>
-                <a:spcPts val="4759"/>
-              </a:lnSpc>
-            </a:pPr>
-          </a:p>
-        </p:txBody>
-      </p:sp>
-      <p:sp>
-        <p:nvSpPr>
-          <p:cNvPr name="TextBox 6" id="6"/>
-          <p:cNvSpPr txBox="true"/>
-          <p:nvPr/>
-        </p:nvSpPr>
-        <p:spPr>
-          <a:xfrm rot="0">
-            <a:off x="1028700" y="2127078"/>
-            <a:ext cx="16230600" cy="2957830"/>
-          </a:xfrm>
-          <a:prstGeom prst="rect">
-            <a:avLst/>
-          </a:prstGeom>
-        </p:spPr>
-        <p:txBody>
-          <a:bodyPr anchor="t" rtlCol="false" tIns="0" lIns="0" bIns="0" rIns="0">
-            <a:spAutoFit/>
-          </a:bodyPr>
-          <a:lstStyle/>
-          <a:p>
-            <a:pPr algn="ctr">
-              <a:lnSpc>
-                <a:spcPts val="3920"/>
-              </a:lnSpc>
-            </a:pPr>
-            <a:r>
-              <a:rPr lang="en-US" sz="2800">
-                <a:solidFill>
-                  <a:srgbClr val="000000"/>
-                </a:solidFill>
-                <a:latin typeface="Open Sans"/>
-                <a:ea typeface="Open Sans"/>
-                <a:cs typeface="Open Sans"/>
-                <a:sym typeface="Open Sans"/>
-              </a:rPr>
-              <a:t>Es una aplicación que permite a musicos independientes o aficionados </a:t>
-            </a:r>
-            <a:r>
-              <a:rPr lang="en-US" b="true" sz="2800">
-                <a:solidFill>
-                  <a:srgbClr val="000000"/>
-                </a:solidFill>
-                <a:latin typeface="Open Sans Bold"/>
-                <a:ea typeface="Open Sans Bold"/>
-                <a:cs typeface="Open Sans Bold"/>
-                <a:sym typeface="Open Sans Bold"/>
-              </a:rPr>
-              <a:t>extraer de un archivo d</a:t>
-            </a:r>
-            <a:r>
-              <a:rPr lang="en-US" b="true" sz="2800">
-                <a:solidFill>
-                  <a:srgbClr val="000000"/>
-                </a:solidFill>
-                <a:latin typeface="Open Sans Bold"/>
-                <a:ea typeface="Open Sans Bold"/>
-                <a:cs typeface="Open Sans Bold"/>
-                <a:sym typeface="Open Sans Bold"/>
-              </a:rPr>
-              <a:t>e audio musical ya mezclado (por ejemplo: una canción) las pistas que se reconozcan como instrumentos y voz (elementos de la canción)</a:t>
-            </a:r>
-            <a:r>
-              <a:rPr lang="en-US" sz="2800">
-                <a:solidFill>
-                  <a:srgbClr val="000000"/>
-                </a:solidFill>
-                <a:latin typeface="Open Sans"/>
-                <a:ea typeface="Open Sans"/>
-                <a:cs typeface="Open Sans"/>
-                <a:sym typeface="Open Sans"/>
-              </a:rPr>
-              <a:t>, según lo que escoja extraer el usuario y lo que desee hacer con ellas. Su principal objetivo es no depender de conexión a internet. Adquiere un enfoque </a:t>
-            </a:r>
-            <a:r>
-              <a:rPr lang="en-US" b="true" sz="2800" i="true">
-                <a:solidFill>
-                  <a:srgbClr val="000000"/>
-                </a:solidFill>
-                <a:latin typeface="Open Sans Bold Italics"/>
-                <a:ea typeface="Open Sans Bold Italics"/>
-                <a:cs typeface="Open Sans Bold Italics"/>
-                <a:sym typeface="Open Sans Bold Italics"/>
-              </a:rPr>
-              <a:t>offiline-first</a:t>
-            </a:r>
-            <a:r>
-              <a:rPr lang="en-US" sz="2800">
-                <a:solidFill>
-                  <a:srgbClr val="000000"/>
-                </a:solidFill>
-                <a:latin typeface="Open Sans"/>
-                <a:ea typeface="Open Sans"/>
-                <a:cs typeface="Open Sans"/>
-                <a:sym typeface="Open Sans"/>
-              </a:rPr>
-              <a:t> donde se busca ajustar un modelo que pueda dar el equilibrio entre portabilidad y calidad de la salida de las pistas extraidas por asistencia de inteligencia artificial.   </a:t>
-            </a:r>
-          </a:p>
-        </p:txBody>
-      </p:sp>
-      <p:sp>
-        <p:nvSpPr>
-          <p:cNvPr name="Freeform 7" id="7"/>
-          <p:cNvSpPr/>
-          <p:nvPr/>
-        </p:nvSpPr>
-        <p:spPr>
-          <a:xfrm flipH="false" flipV="false" rot="0">
             <a:off x="5736876" y="7405660"/>
             <a:ext cx="1293356" cy="1293356"/>
           </a:xfrm>
@@ -3682,6 +3500,143 @@
             </a:pathLst>
           </a:custGeom>
           <a:blipFill>
+            <a:blip r:embed="rId3">
+              <a:extLst>
+                <a:ext uri="{96DAC541-7B7A-43D3-8B79-37D633B846F1}">
+                  <asvg:svgBlip xmlns:asvg="http://schemas.microsoft.com/office/drawing/2016/SVG/main" r:embed="rId4"/>
+                </a:ext>
+              </a:extLst>
+            </a:blip>
+            <a:stretch>
+              <a:fillRect l="0" t="0" r="0" b="0"/>
+            </a:stretch>
+          </a:blipFill>
+        </p:spPr>
+      </p:sp>
+      <p:grpSp>
+        <p:nvGrpSpPr>
+          <p:cNvPr name="Group 4" id="4"/>
+          <p:cNvGrpSpPr/>
+          <p:nvPr/>
+        </p:nvGrpSpPr>
+        <p:grpSpPr>
+          <a:xfrm rot="0">
+            <a:off x="8332832" y="7537149"/>
+            <a:ext cx="1556987" cy="1285258"/>
+            <a:chOff x="0" y="0"/>
+            <a:chExt cx="410071" cy="338504"/>
+          </a:xfrm>
+        </p:grpSpPr>
+        <p:sp>
+          <p:nvSpPr>
+            <p:cNvPr name="Freeform 5" id="5"/>
+            <p:cNvSpPr/>
+            <p:nvPr/>
+          </p:nvSpPr>
+          <p:spPr>
+            <a:xfrm flipH="false" flipV="false" rot="0">
+              <a:off x="0" y="0"/>
+              <a:ext cx="410071" cy="338504"/>
+            </a:xfrm>
+            <a:custGeom>
+              <a:avLst/>
+              <a:gdLst/>
+              <a:ahLst/>
+              <a:cxnLst/>
+              <a:rect r="r" b="b" t="t" l="l"/>
+              <a:pathLst>
+                <a:path h="338504" w="410071">
+                  <a:moveTo>
+                    <a:pt x="0" y="0"/>
+                  </a:moveTo>
+                  <a:lnTo>
+                    <a:pt x="410071" y="0"/>
+                  </a:lnTo>
+                  <a:lnTo>
+                    <a:pt x="410071" y="338504"/>
+                  </a:lnTo>
+                  <a:lnTo>
+                    <a:pt x="0" y="338504"/>
+                  </a:lnTo>
+                  <a:close/>
+                </a:path>
+              </a:pathLst>
+            </a:custGeom>
+            <a:solidFill>
+              <a:srgbClr val="FFFFFF"/>
+            </a:solidFill>
+          </p:spPr>
+        </p:sp>
+        <p:sp>
+          <p:nvSpPr>
+            <p:cNvPr name="TextBox 6" id="6"/>
+            <p:cNvSpPr txBox="true"/>
+            <p:nvPr/>
+          </p:nvSpPr>
+          <p:spPr>
+            <a:xfrm>
+              <a:off x="0" y="-38100"/>
+              <a:ext cx="410071" cy="376604"/>
+            </a:xfrm>
+            <a:prstGeom prst="rect">
+              <a:avLst/>
+            </a:prstGeom>
+          </p:spPr>
+          <p:txBody>
+            <a:bodyPr anchor="ctr" rtlCol="false" tIns="50800" lIns="50800" bIns="50800" rIns="50800"/>
+            <a:lstStyle/>
+            <a:p>
+              <a:pPr algn="ctr">
+                <a:lnSpc>
+                  <a:spcPts val="2659"/>
+                </a:lnSpc>
+                <a:spcBef>
+                  <a:spcPct val="0"/>
+                </a:spcBef>
+              </a:pPr>
+            </a:p>
+          </p:txBody>
+        </p:sp>
+      </p:grpSp>
+      <p:sp>
+        <p:nvSpPr>
+          <p:cNvPr name="Freeform 7" id="7"/>
+          <p:cNvSpPr/>
+          <p:nvPr/>
+        </p:nvSpPr>
+        <p:spPr>
+          <a:xfrm flipH="false" flipV="false" rot="0">
+            <a:off x="8262985" y="7171323"/>
+            <a:ext cx="1762030" cy="1762030"/>
+          </a:xfrm>
+          <a:custGeom>
+            <a:avLst/>
+            <a:gdLst/>
+            <a:ahLst/>
+            <a:cxnLst/>
+            <a:rect r="r" b="b" t="t" l="l"/>
+            <a:pathLst>
+              <a:path h="1762030" w="1762030">
+                <a:moveTo>
+                  <a:pt x="0" y="0"/>
+                </a:moveTo>
+                <a:lnTo>
+                  <a:pt x="1762030" y="0"/>
+                </a:lnTo>
+                <a:lnTo>
+                  <a:pt x="1762030" y="1762030"/>
+                </a:lnTo>
+                <a:lnTo>
+                  <a:pt x="0" y="1762030"/>
+                </a:lnTo>
+                <a:lnTo>
+                  <a:pt x="0" y="0"/>
+                </a:lnTo>
+                <a:close/>
+              </a:path>
+            </a:pathLst>
+          </a:custGeom>
+          <a:blipFill>
             <a:blip r:embed="rId5">
               <a:extLst>
                 <a:ext uri="{96DAC541-7B7A-43D3-8B79-37D633B846F1}">
@@ -3694,6 +3649,218 @@
             </a:stretch>
           </a:blipFill>
         </p:spPr>
+      </p:sp>
+      <p:sp>
+        <p:nvSpPr>
+          <p:cNvPr name="TextBox 8" id="8"/>
+          <p:cNvSpPr txBox="true"/>
+          <p:nvPr/>
+        </p:nvSpPr>
+        <p:spPr>
+          <a:xfrm rot="0">
+            <a:off x="7635121" y="537527"/>
+            <a:ext cx="3017758" cy="887095"/>
+          </a:xfrm>
+          <a:prstGeom prst="rect">
+            <a:avLst/>
+          </a:prstGeom>
+        </p:spPr>
+        <p:txBody>
+          <a:bodyPr anchor="t" rtlCol="false" tIns="0" lIns="0" bIns="0" rIns="0">
+            <a:spAutoFit/>
+          </a:bodyPr>
+          <a:lstStyle/>
+          <a:p>
+            <a:pPr algn="ctr">
+              <a:lnSpc>
+                <a:spcPts val="7279"/>
+              </a:lnSpc>
+            </a:pPr>
+            <a:r>
+              <a:rPr lang="en-US" sz="5199" b="true">
+                <a:solidFill>
+                  <a:srgbClr val="000000"/>
+                </a:solidFill>
+                <a:latin typeface="Open Sans Bold"/>
+                <a:ea typeface="Open Sans Bold"/>
+                <a:cs typeface="Open Sans Bold"/>
+                <a:sym typeface="Open Sans Bold"/>
+              </a:rPr>
+              <a:t>Contexto</a:t>
+            </a:r>
+          </a:p>
+        </p:txBody>
+      </p:sp>
+      <p:sp>
+        <p:nvSpPr>
+          <p:cNvPr name="TextBox 9" id="9"/>
+          <p:cNvSpPr txBox="true"/>
+          <p:nvPr/>
+        </p:nvSpPr>
+        <p:spPr>
+          <a:xfrm rot="0">
+            <a:off x="4424429" y="2863823"/>
+            <a:ext cx="9439141" cy="580390"/>
+          </a:xfrm>
+          <a:prstGeom prst="rect">
+            <a:avLst/>
+          </a:prstGeom>
+        </p:spPr>
+        <p:txBody>
+          <a:bodyPr anchor="t" rtlCol="false" tIns="0" lIns="0" bIns="0" rIns="0">
+            <a:spAutoFit/>
+          </a:bodyPr>
+          <a:lstStyle/>
+          <a:p>
+            <a:pPr algn="ctr">
+              <a:lnSpc>
+                <a:spcPts val="4759"/>
+              </a:lnSpc>
+            </a:pPr>
+          </a:p>
+        </p:txBody>
+      </p:sp>
+      <p:sp>
+        <p:nvSpPr>
+          <p:cNvPr name="TextBox 10" id="10"/>
+          <p:cNvSpPr txBox="true"/>
+          <p:nvPr/>
+        </p:nvSpPr>
+        <p:spPr>
+          <a:xfrm rot="0">
+            <a:off x="1028700" y="1631778"/>
+            <a:ext cx="16230600" cy="3948430"/>
+          </a:xfrm>
+          <a:prstGeom prst="rect">
+            <a:avLst/>
+          </a:prstGeom>
+        </p:spPr>
+        <p:txBody>
+          <a:bodyPr anchor="t" rtlCol="false" tIns="0" lIns="0" bIns="0" rIns="0">
+            <a:spAutoFit/>
+          </a:bodyPr>
+          <a:lstStyle/>
+          <a:p>
+            <a:pPr algn="just">
+              <a:lnSpc>
+                <a:spcPts val="3920"/>
+              </a:lnSpc>
+            </a:pPr>
+            <a:r>
+              <a:rPr lang="en-US" sz="2800">
+                <a:solidFill>
+                  <a:srgbClr val="000000"/>
+                </a:solidFill>
+                <a:latin typeface="Open Sans"/>
+                <a:ea typeface="Open Sans"/>
+                <a:cs typeface="Open Sans"/>
+                <a:sym typeface="Open Sans"/>
+              </a:rPr>
+              <a:t>Este proyecto consiste en una aplicación que permite a musicos independientes o usuarios aficionados </a:t>
+            </a:r>
+            <a:r>
+              <a:rPr lang="en-US" b="true" sz="2800">
+                <a:solidFill>
+                  <a:srgbClr val="000000"/>
+                </a:solidFill>
+                <a:latin typeface="Open Sans Bold"/>
+                <a:ea typeface="Open Sans Bold"/>
+                <a:cs typeface="Open Sans Bold"/>
+                <a:sym typeface="Open Sans Bold"/>
+              </a:rPr>
+              <a:t>extraer de un archivo d</a:t>
+            </a:r>
+            <a:r>
+              <a:rPr lang="en-US" b="true" sz="2800">
+                <a:solidFill>
+                  <a:srgbClr val="000000"/>
+                </a:solidFill>
+                <a:latin typeface="Open Sans Bold"/>
+                <a:ea typeface="Open Sans Bold"/>
+                <a:cs typeface="Open Sans Bold"/>
+                <a:sym typeface="Open Sans Bold"/>
+              </a:rPr>
+              <a:t>e audio musical ya mezclado (por ejemplo, una canción) las pistas que se reconozcan como instrumentos y voz (elementos de la canción)</a:t>
+            </a:r>
+            <a:r>
+              <a:rPr lang="en-US" sz="2800">
+                <a:solidFill>
+                  <a:srgbClr val="000000"/>
+                </a:solidFill>
+                <a:latin typeface="Open Sans"/>
+                <a:ea typeface="Open Sans"/>
+                <a:cs typeface="Open Sans"/>
+                <a:sym typeface="Open Sans"/>
+              </a:rPr>
+              <a:t>, según lo que escoja extraer el usuario. Además, el usuario tendrá la posibilidad de editar con opciones básicas sobre ellas. Su principal objetivo es no depender de conexión a internet. Adquiere un enfoque </a:t>
+            </a:r>
+            <a:r>
+              <a:rPr lang="en-US" b="true" sz="2800" i="true">
+                <a:solidFill>
+                  <a:srgbClr val="000000"/>
+                </a:solidFill>
+                <a:latin typeface="Open Sans Bold Italics"/>
+                <a:ea typeface="Open Sans Bold Italics"/>
+                <a:cs typeface="Open Sans Bold Italics"/>
+                <a:sym typeface="Open Sans Bold Italics"/>
+              </a:rPr>
+              <a:t>offiline-first</a:t>
+            </a:r>
+            <a:r>
+              <a:rPr lang="en-US" sz="2800">
+                <a:solidFill>
+                  <a:srgbClr val="000000"/>
+                </a:solidFill>
+                <a:latin typeface="Open Sans"/>
+                <a:ea typeface="Open Sans"/>
+                <a:cs typeface="Open Sans"/>
+                <a:sym typeface="Open Sans"/>
+              </a:rPr>
+              <a:t> donde se busca desarollar, paralelalemente, un modelo que pueda proporcionar el equilibrio entre portabilidad y calidad de la salida de las pistas extraidas por asistencia de inteligencia artificial.   </a:t>
+            </a:r>
+          </a:p>
+        </p:txBody>
+      </p:sp>
+      <p:sp>
+        <p:nvSpPr>
+          <p:cNvPr name="TextBox 11" id="11"/>
+          <p:cNvSpPr txBox="true"/>
+          <p:nvPr/>
+        </p:nvSpPr>
+        <p:spPr>
+          <a:xfrm rot="0">
+            <a:off x="8141585" y="6596469"/>
+            <a:ext cx="2004829" cy="537831"/>
+          </a:xfrm>
+          <a:prstGeom prst="rect">
+            <a:avLst/>
+          </a:prstGeom>
+        </p:spPr>
+        <p:txBody>
+          <a:bodyPr anchor="t" rtlCol="false" tIns="0" lIns="0" bIns="0" rIns="0">
+            <a:spAutoFit/>
+          </a:bodyPr>
+          <a:lstStyle/>
+          <a:p>
+            <a:pPr algn="ctr">
+              <a:lnSpc>
+                <a:spcPts val="4480"/>
+              </a:lnSpc>
+            </a:pPr>
+            <a:r>
+              <a:rPr lang="en-US" sz="3200" b="true">
+                <a:solidFill>
+                  <a:srgbClr val="000000"/>
+                </a:solidFill>
+                <a:latin typeface="Open Sans Bold"/>
+                <a:ea typeface="Open Sans Bold"/>
+                <a:cs typeface="Open Sans Bold"/>
+                <a:sym typeface="Open Sans Bold"/>
+              </a:rPr>
+              <a:t>REWEAVE</a:t>
+            </a:r>
+          </a:p>
+        </p:txBody>
       </p:sp>
     </p:spTree>
   </p:cSld>
@@ -3728,8 +3895,8 @@
         </p:nvSpPr>
         <p:spPr>
           <a:xfrm flipH="false" flipV="false" rot="0">
-            <a:off x="1953215" y="1636067"/>
-            <a:ext cx="14381571" cy="7622233"/>
+            <a:off x="2154235" y="1849149"/>
+            <a:ext cx="13979530" cy="7409151"/>
           </a:xfrm>
           <a:custGeom>
             <a:avLst/>
@@ -3738,18 +3905,18 @@
             <a:cxnLst/>
             <a:rect r="r" b="b" t="t" l="l"/>
             <a:pathLst>
-              <a:path h="7622233" w="14381571">
+              <a:path h="7409151" w="13979530">
                 <a:moveTo>
                   <a:pt x="0" y="0"/>
                 </a:moveTo>
                 <a:lnTo>
-                  <a:pt x="14381570" y="0"/>
+                  <a:pt x="13979530" y="0"/>
                 </a:lnTo>
                 <a:lnTo>
-                  <a:pt x="14381570" y="7622233"/>
+                  <a:pt x="13979530" y="7409151"/>
                 </a:lnTo>
                 <a:lnTo>
-                  <a:pt x="0" y="7622233"/>
+                  <a:pt x="0" y="7409151"/>
                 </a:lnTo>
                 <a:lnTo>
                   <a:pt x="0" y="0"/>
@@ -3840,8 +4007,8 @@
         </p:nvSpPr>
         <p:spPr>
           <a:xfrm flipH="false" flipV="false" rot="0">
-            <a:off x="1680483" y="1701489"/>
-            <a:ext cx="14927034" cy="7556811"/>
+            <a:off x="1956562" y="2016956"/>
+            <a:ext cx="14374875" cy="7241344"/>
           </a:xfrm>
           <a:custGeom>
             <a:avLst/>
@@ -3850,18 +4017,18 @@
             <a:cxnLst/>
             <a:rect r="r" b="b" t="t" l="l"/>
             <a:pathLst>
-              <a:path h="7556811" w="14927034">
+              <a:path h="7241344" w="14374875">
                 <a:moveTo>
                   <a:pt x="0" y="0"/>
                 </a:moveTo>
                 <a:lnTo>
-                  <a:pt x="14927034" y="0"/>
+                  <a:pt x="14374876" y="0"/>
                 </a:lnTo>
                 <a:lnTo>
-                  <a:pt x="14927034" y="7556811"/>
+                  <a:pt x="14374876" y="7241344"/>
                 </a:lnTo>
                 <a:lnTo>
-                  <a:pt x="0" y="7556811"/>
+                  <a:pt x="0" y="7241344"/>
                 </a:lnTo>
                 <a:lnTo>
                   <a:pt x="0" y="0"/>
@@ -3952,8 +4119,8 @@
         </p:nvSpPr>
         <p:spPr>
           <a:xfrm flipH="false" flipV="false" rot="0">
-            <a:off x="235241" y="4163537"/>
-            <a:ext cx="17817518" cy="1959927"/>
+            <a:off x="222538" y="4463239"/>
+            <a:ext cx="17842924" cy="1360523"/>
           </a:xfrm>
           <a:custGeom>
             <a:avLst/>
@@ -3962,18 +4129,18 @@
             <a:cxnLst/>
             <a:rect r="r" b="b" t="t" l="l"/>
             <a:pathLst>
-              <a:path h="1959927" w="17817518">
+              <a:path h="1360523" w="17842924">
                 <a:moveTo>
                   <a:pt x="0" y="0"/>
                 </a:moveTo>
                 <a:lnTo>
-                  <a:pt x="17817518" y="0"/>
+                  <a:pt x="17842924" y="0"/>
                 </a:lnTo>
                 <a:lnTo>
-                  <a:pt x="17817518" y="1959926"/>
+                  <a:pt x="17842924" y="1360522"/>
                 </a:lnTo>
                 <a:lnTo>
-                  <a:pt x="0" y="1959926"/>
+                  <a:pt x="0" y="1360522"/>
                 </a:lnTo>
                 <a:lnTo>
                   <a:pt x="0" y="0"/>
@@ -3998,8 +4165,8 @@
         </p:nvSpPr>
         <p:spPr>
           <a:xfrm rot="0">
-            <a:off x="3188255" y="537527"/>
-            <a:ext cx="11911489" cy="887095"/>
+            <a:off x="5780127" y="537527"/>
+            <a:ext cx="6727746" cy="887095"/>
           </a:xfrm>
           <a:prstGeom prst="rect">
             <a:avLst/>
@@ -4026,7 +4193,7 @@
                 <a:cs typeface="Open Sans Bold"/>
                 <a:sym typeface="Open Sans Bold"/>
               </a:rPr>
-              <a:t>Negociación de Atributos de Calidad</a:t>
+              <a:t>Atributos de Calidad</a:t>
             </a:r>
           </a:p>
         </p:txBody>
@@ -4064,8 +4231,8 @@
         </p:nvSpPr>
         <p:spPr>
           <a:xfrm flipH="false" flipV="false" rot="0">
-            <a:off x="668216" y="2332519"/>
-            <a:ext cx="16951569" cy="2500356"/>
+            <a:off x="1581698" y="2333144"/>
+            <a:ext cx="15124604" cy="2230879"/>
           </a:xfrm>
           <a:custGeom>
             <a:avLst/>
@@ -4074,18 +4241,18 @@
             <a:cxnLst/>
             <a:rect r="r" b="b" t="t" l="l"/>
             <a:pathLst>
-              <a:path h="2500356" w="16951569">
+              <a:path h="2230879" w="15124604">
                 <a:moveTo>
                   <a:pt x="0" y="0"/>
                 </a:moveTo>
                 <a:lnTo>
-                  <a:pt x="16951568" y="0"/>
+                  <a:pt x="15124604" y="0"/>
                 </a:lnTo>
                 <a:lnTo>
-                  <a:pt x="16951568" y="2500357"/>
+                  <a:pt x="15124604" y="2230879"/>
                 </a:lnTo>
                 <a:lnTo>
-                  <a:pt x="0" y="2500357"/>
+                  <a:pt x="0" y="2230879"/>
                 </a:lnTo>
                 <a:lnTo>
                   <a:pt x="0" y="0"/>
@@ -4110,8 +4277,8 @@
         </p:nvSpPr>
         <p:spPr>
           <a:xfrm flipH="false" flipV="false" rot="0">
-            <a:off x="4102945" y="5472545"/>
-            <a:ext cx="10082109" cy="3137137"/>
+            <a:off x="4342401" y="5468898"/>
+            <a:ext cx="9603198" cy="2977528"/>
           </a:xfrm>
           <a:custGeom>
             <a:avLst/>
@@ -4120,18 +4287,18 @@
             <a:cxnLst/>
             <a:rect r="r" b="b" t="t" l="l"/>
             <a:pathLst>
-              <a:path h="3137137" w="10082109">
+              <a:path h="2977528" w="9603198">
                 <a:moveTo>
                   <a:pt x="0" y="0"/>
                 </a:moveTo>
                 <a:lnTo>
-                  <a:pt x="10082110" y="0"/>
+                  <a:pt x="9603198" y="0"/>
                 </a:lnTo>
                 <a:lnTo>
-                  <a:pt x="10082110" y="3137137"/>
+                  <a:pt x="9603198" y="2977528"/>
                 </a:lnTo>
                 <a:lnTo>
-                  <a:pt x="0" y="3137137"/>
+                  <a:pt x="0" y="2977528"/>
                 </a:lnTo>
                 <a:lnTo>
                   <a:pt x="0" y="0"/>

--- a/Project/Context/SistemaSeparacionAudio.context.pptx
+++ b/Project/Context/SistemaSeparacionAudio.context.pptx
@@ -12,21 +12,22 @@
     <p:sldId id="260" r:id="rId10"/>
     <p:sldId id="261" r:id="rId11"/>
     <p:sldId id="262" r:id="rId12"/>
+    <p:sldId id="263" r:id="rId13"/>
   </p:sldIdLst>
   <p:sldSz cx="18288000" cy="10287000"/>
   <p:notesSz cx="6858000" cy="9144000"/>
   <p:embeddedFontLst>
     <p:embeddedFont>
       <p:font typeface="Open Sans Bold" charset="1" panose="020B0806030504020204"/>
-      <p:regular r:id="rId13"/>
+      <p:regular r:id="rId14"/>
     </p:embeddedFont>
     <p:embeddedFont>
       <p:font typeface="Open Sans" charset="1" panose="020B0606030504020204"/>
-      <p:regular r:id="rId14"/>
+      <p:regular r:id="rId15"/>
     </p:embeddedFont>
     <p:embeddedFont>
       <p:font typeface="Open Sans Bold Italics" charset="1" panose="020B0806030504020204"/>
-      <p:regular r:id="rId15"/>
+      <p:regular r:id="rId16"/>
     </p:embeddedFont>
   </p:embeddedFontLst>
   <p:defaultTextStyle>
@@ -3236,7 +3237,7 @@
         <p:spPr>
           <a:xfrm rot="0">
             <a:off x="4424429" y="3619817"/>
-            <a:ext cx="9439141" cy="2980690"/>
+            <a:ext cx="9439141" cy="3580765"/>
           </a:xfrm>
           <a:prstGeom prst="rect">
             <a:avLst/>
@@ -3325,6 +3326,26 @@
                 <a:sym typeface="Open Sans"/>
               </a:rPr>
               <a:t>Atributos de Calidad</a:t>
+            </a:r>
+          </a:p>
+          <a:p>
+            <a:pPr algn="ctr" marL="734059" indent="-367030" lvl="1">
+              <a:lnSpc>
+                <a:spcPts val="4759"/>
+              </a:lnSpc>
+              <a:buAutoNum type="arabicPeriod" startAt="1"/>
+            </a:pPr>
+            <a:r>
+              <a:rPr lang="en-US" sz="3399">
+                <a:solidFill>
+                  <a:srgbClr val="000000"/>
+                </a:solidFill>
+                <a:latin typeface="Open Sans"/>
+                <a:ea typeface="Open Sans"/>
+                <a:cs typeface="Open Sans"/>
+                <a:sym typeface="Open Sans"/>
+              </a:rPr>
+              <a:t>Ponderación</a:t>
             </a:r>
           </a:p>
           <a:p>
@@ -4231,8 +4252,8 @@
         </p:nvSpPr>
         <p:spPr>
           <a:xfrm flipH="false" flipV="false" rot="0">
-            <a:off x="1581698" y="2333144"/>
-            <a:ext cx="15124604" cy="2230879"/>
+            <a:off x="790849" y="3911410"/>
+            <a:ext cx="16706302" cy="2464180"/>
           </a:xfrm>
           <a:custGeom>
             <a:avLst/>
@@ -4241,18 +4262,18 @@
             <a:cxnLst/>
             <a:rect r="r" b="b" t="t" l="l"/>
             <a:pathLst>
-              <a:path h="2230879" w="15124604">
+              <a:path h="2464180" w="16706302">
                 <a:moveTo>
                   <a:pt x="0" y="0"/>
                 </a:moveTo>
                 <a:lnTo>
-                  <a:pt x="15124604" y="0"/>
+                  <a:pt x="16706302" y="0"/>
                 </a:lnTo>
                 <a:lnTo>
-                  <a:pt x="15124604" y="2230879"/>
+                  <a:pt x="16706302" y="2464180"/>
                 </a:lnTo>
                 <a:lnTo>
-                  <a:pt x="0" y="2230879"/>
+                  <a:pt x="0" y="2464180"/>
                 </a:lnTo>
                 <a:lnTo>
                   <a:pt x="0" y="0"/>
@@ -4271,13 +4292,120 @@
       </p:sp>
       <p:sp>
         <p:nvSpPr>
+          <p:cNvPr name="TextBox 3" id="3"/>
+          <p:cNvSpPr txBox="true"/>
+          <p:nvPr/>
+        </p:nvSpPr>
+        <p:spPr>
+          <a:xfrm rot="0">
+            <a:off x="7069872" y="537527"/>
+            <a:ext cx="4148257" cy="887095"/>
+          </a:xfrm>
+          <a:prstGeom prst="rect">
+            <a:avLst/>
+          </a:prstGeom>
+        </p:spPr>
+        <p:txBody>
+          <a:bodyPr anchor="t" rtlCol="false" tIns="0" lIns="0" bIns="0" rIns="0">
+            <a:spAutoFit/>
+          </a:bodyPr>
+          <a:lstStyle/>
+          <a:p>
+            <a:pPr algn="ctr">
+              <a:lnSpc>
+                <a:spcPts val="7279"/>
+              </a:lnSpc>
+            </a:pPr>
+            <a:r>
+              <a:rPr lang="en-US" sz="5199" b="true">
+                <a:solidFill>
+                  <a:srgbClr val="000000"/>
+                </a:solidFill>
+                <a:latin typeface="Open Sans Bold"/>
+                <a:ea typeface="Open Sans Bold"/>
+                <a:cs typeface="Open Sans Bold"/>
+                <a:sym typeface="Open Sans Bold"/>
+              </a:rPr>
+              <a:t>Ponderación</a:t>
+            </a:r>
+          </a:p>
+        </p:txBody>
+      </p:sp>
+    </p:spTree>
+  </p:cSld>
+  <p:clrMapOvr>
+    <a:masterClrMapping/>
+  </p:clrMapOvr>
+</p:sld>
+</file>
+
+<file path=ppt/slides/slide8.xml><?xml version="1.0" encoding="utf-8"?>
+<p:sld xmlns:p="http://schemas.openxmlformats.org/presentationml/2006/main" xmlns:a="http://schemas.openxmlformats.org/drawingml/2006/main" xmlns:r="http://schemas.openxmlformats.org/officeDocument/2006/relationships">
+  <p:cSld>
+    <p:spTree>
+      <p:nvGrpSpPr>
+        <p:cNvPr id="1" name=""/>
+        <p:cNvGrpSpPr/>
+        <p:nvPr/>
+      </p:nvGrpSpPr>
+      <p:grpSpPr>
+        <a:xfrm>
+          <a:off x="0" y="0"/>
+          <a:ext cx="0" cy="0"/>
+          <a:chOff x="0" y="0"/>
+          <a:chExt cx="0" cy="0"/>
+        </a:xfrm>
+      </p:grpSpPr>
+      <p:sp>
+        <p:nvSpPr>
+          <p:cNvPr name="TextBox 2" id="2"/>
+          <p:cNvSpPr txBox="true"/>
+          <p:nvPr/>
+        </p:nvSpPr>
+        <p:spPr>
+          <a:xfrm rot="0">
+            <a:off x="5249763" y="537527"/>
+            <a:ext cx="7788473" cy="887095"/>
+          </a:xfrm>
+          <a:prstGeom prst="rect">
+            <a:avLst/>
+          </a:prstGeom>
+        </p:spPr>
+        <p:txBody>
+          <a:bodyPr anchor="t" rtlCol="false" tIns="0" lIns="0" bIns="0" rIns="0">
+            <a:spAutoFit/>
+          </a:bodyPr>
+          <a:lstStyle/>
+          <a:p>
+            <a:pPr algn="ctr">
+              <a:lnSpc>
+                <a:spcPts val="7279"/>
+              </a:lnSpc>
+            </a:pPr>
+            <a:r>
+              <a:rPr lang="en-US" sz="5199" b="true">
+                <a:solidFill>
+                  <a:srgbClr val="000000"/>
+                </a:solidFill>
+                <a:latin typeface="Open Sans Bold"/>
+                <a:ea typeface="Open Sans Bold"/>
+                <a:cs typeface="Open Sans Bold"/>
+                <a:sym typeface="Open Sans Bold"/>
+              </a:rPr>
+              <a:t>Drivers Arquitectónicos</a:t>
+            </a:r>
+          </a:p>
+        </p:txBody>
+      </p:sp>
+      <p:sp>
+        <p:nvSpPr>
           <p:cNvPr name="Freeform 3" id="3"/>
           <p:cNvSpPr/>
           <p:nvPr/>
         </p:nvSpPr>
         <p:spPr>
           <a:xfrm flipH="false" flipV="false" rot="0">
-            <a:off x="4342401" y="5468898"/>
+            <a:off x="4342401" y="3654736"/>
             <a:ext cx="9603198" cy="2977528"/>
           </a:xfrm>
           <a:custGeom>
@@ -4308,53 +4436,12 @@
             </a:pathLst>
           </a:custGeom>
           <a:blipFill>
-            <a:blip r:embed="rId3"/>
+            <a:blip r:embed="rId2"/>
             <a:stretch>
               <a:fillRect l="0" t="0" r="0" b="0"/>
             </a:stretch>
           </a:blipFill>
         </p:spPr>
-      </p:sp>
-      <p:sp>
-        <p:nvSpPr>
-          <p:cNvPr name="TextBox 4" id="4"/>
-          <p:cNvSpPr txBox="true"/>
-          <p:nvPr/>
-        </p:nvSpPr>
-        <p:spPr>
-          <a:xfrm rot="0">
-            <a:off x="5249763" y="537527"/>
-            <a:ext cx="7788473" cy="887095"/>
-          </a:xfrm>
-          <a:prstGeom prst="rect">
-            <a:avLst/>
-          </a:prstGeom>
-        </p:spPr>
-        <p:txBody>
-          <a:bodyPr anchor="t" rtlCol="false" tIns="0" lIns="0" bIns="0" rIns="0">
-            <a:spAutoFit/>
-          </a:bodyPr>
-          <a:lstStyle/>
-          <a:p>
-            <a:pPr algn="ctr">
-              <a:lnSpc>
-                <a:spcPts val="7279"/>
-              </a:lnSpc>
-            </a:pPr>
-            <a:r>
-              <a:rPr lang="en-US" sz="5199" b="true">
-                <a:solidFill>
-                  <a:srgbClr val="000000"/>
-                </a:solidFill>
-                <a:latin typeface="Open Sans Bold"/>
-                <a:ea typeface="Open Sans Bold"/>
-                <a:cs typeface="Open Sans Bold"/>
-                <a:sym typeface="Open Sans Bold"/>
-              </a:rPr>
-              <a:t>Drivers Arquitectónicos</a:t>
-            </a:r>
-          </a:p>
-        </p:txBody>
       </p:sp>
     </p:spTree>
   </p:cSld>
